--- a/April_12.pptx
+++ b/April_12.pptx
@@ -4735,23 +4735,23 @@
     </dgm:pt>
   </dgm:ptLst>
   <dgm:cxnLst>
+    <dgm:cxn modelId="{546B39C2-278C-4C6E-9AA9-3AD3508C18CA}" srcId="{D5CA5F5F-5C92-4948-B7FC-F29EDBC82758}" destId="{9BE94C18-E119-438F-A23F-A1B399EF29EF}" srcOrd="6" destOrd="0" parTransId="{4BBDA930-654C-40C3-ACBC-DD7613B34369}" sibTransId="{3E3BF659-C345-486E-85E1-2CC3A3AFA249}"/>
+    <dgm:cxn modelId="{D0F9D721-847F-43F5-8FA4-8F67B2EA7DDB}" srcId="{D5CA5F5F-5C92-4948-B7FC-F29EDBC82758}" destId="{B93B9970-30B1-4BAC-AC64-4E23D23DBEB6}" srcOrd="3" destOrd="0" parTransId="{44B03172-AC52-4C4D-9021-20696E8E340C}" sibTransId="{D2F3BAA0-D16C-4B86-B6F3-D3510A720B69}"/>
+    <dgm:cxn modelId="{9D649029-A0EE-4BF4-9D0C-4E724110C0D3}" srcId="{D5CA5F5F-5C92-4948-B7FC-F29EDBC82758}" destId="{8792A8BE-D5E5-46B2-B481-3A3F91B2AA49}" srcOrd="0" destOrd="0" parTransId="{948E21D5-DD11-4CE5-BA03-FA3DFB27FEC5}" sibTransId="{74D60593-D85D-44B6-B3F3-76D01687B6D6}"/>
+    <dgm:cxn modelId="{F276DECE-1632-4516-B733-B050A519EFE9}" srcId="{D5CA5F5F-5C92-4948-B7FC-F29EDBC82758}" destId="{A9C029E8-B819-4155-89E6-873302B0483C}" srcOrd="4" destOrd="0" parTransId="{E9164473-B829-4B2C-A749-F54FF4440602}" sibTransId="{86F4C005-BF48-4A9F-BC5A-2D54C8E973E4}"/>
+    <dgm:cxn modelId="{18F47952-4DCA-4113-9E98-CB9DC7C18CC8}" type="presOf" srcId="{A9C029E8-B819-4155-89E6-873302B0483C}" destId="{89B50C64-4E28-4844-AA2B-AA71781080EC}" srcOrd="0" destOrd="0" presId="urn:microsoft.com/office/officeart/2005/8/layout/default"/>
+    <dgm:cxn modelId="{7578C2B3-D999-4D2D-AD67-BD6A43564EFE}" type="presOf" srcId="{8792A8BE-D5E5-46B2-B481-3A3F91B2AA49}" destId="{72451235-A77D-4815-8C44-E820678183E4}" srcOrd="0" destOrd="0" presId="urn:microsoft.com/office/officeart/2005/8/layout/default"/>
+    <dgm:cxn modelId="{4F62B293-A6A7-487F-96CB-AAAC751D01D5}" type="presOf" srcId="{ACA12539-D8D0-4984-AA69-BD37B487EC9A}" destId="{DD892E3C-CB93-4D7F-A9DE-9AE9D886D0D5}" srcOrd="0" destOrd="0" presId="urn:microsoft.com/office/officeart/2005/8/layout/default"/>
     <dgm:cxn modelId="{6970F55B-428C-48DC-B6CE-59C438D15ABE}" srcId="{D5CA5F5F-5C92-4948-B7FC-F29EDBC82758}" destId="{ACA12539-D8D0-4984-AA69-BD37B487EC9A}" srcOrd="7" destOrd="0" parTransId="{1F9B2663-8722-449F-B975-2A86E8C3A6C0}" sibTransId="{EEA12596-7CE7-4BCE-BFCA-82117B5928FB}"/>
-    <dgm:cxn modelId="{546B39C2-278C-4C6E-9AA9-3AD3508C18CA}" srcId="{D5CA5F5F-5C92-4948-B7FC-F29EDBC82758}" destId="{9BE94C18-E119-438F-A23F-A1B399EF29EF}" srcOrd="6" destOrd="0" parTransId="{4BBDA930-654C-40C3-ACBC-DD7613B34369}" sibTransId="{3E3BF659-C345-486E-85E1-2CC3A3AFA249}"/>
+    <dgm:cxn modelId="{4C23E8BA-1CE5-43B6-A626-C69A1148C3C5}" type="presOf" srcId="{85214700-E7D3-414F-8281-36E6D58B610F}" destId="{873A77AB-73C7-4AC2-82A1-A68DAA75A851}" srcOrd="0" destOrd="0" presId="urn:microsoft.com/office/officeart/2005/8/layout/default"/>
+    <dgm:cxn modelId="{3103668E-9368-4066-B054-6BA523F2EA5D}" type="presOf" srcId="{3DB3CF5C-7D90-46EB-BA59-DFCEE30BBF12}" destId="{030748EB-4590-4863-8875-1E0A5DC1A54D}" srcOrd="0" destOrd="0" presId="urn:microsoft.com/office/officeart/2005/8/layout/default"/>
+    <dgm:cxn modelId="{05B799CE-E5FF-4415-A38B-AE8C8D48B5B7}" srcId="{D5CA5F5F-5C92-4948-B7FC-F29EDBC82758}" destId="{85214700-E7D3-414F-8281-36E6D58B610F}" srcOrd="5" destOrd="0" parTransId="{D9B9E939-4BFB-44FB-A04C-FA2ECB245E0B}" sibTransId="{E44A2D79-BCF4-41EC-A863-4501B5453910}"/>
     <dgm:cxn modelId="{8310D773-9003-4C6E-8800-7EE31F674308}" srcId="{D5CA5F5F-5C92-4948-B7FC-F29EDBC82758}" destId="{3DB3CF5C-7D90-46EB-BA59-DFCEE30BBF12}" srcOrd="2" destOrd="0" parTransId="{514E1683-1CBF-458E-B234-432EB6224741}" sibTransId="{AFCD115E-6A9A-4381-8982-1702038C1888}"/>
-    <dgm:cxn modelId="{4C23E8BA-1CE5-43B6-A626-C69A1148C3C5}" type="presOf" srcId="{85214700-E7D3-414F-8281-36E6D58B610F}" destId="{873A77AB-73C7-4AC2-82A1-A68DAA75A851}" srcOrd="0" destOrd="0" presId="urn:microsoft.com/office/officeart/2005/8/layout/default"/>
+    <dgm:cxn modelId="{F1BC7D55-F159-4EAA-B0C6-6CC59E048C04}" type="presOf" srcId="{B93B9970-30B1-4BAC-AC64-4E23D23DBEB6}" destId="{805D7C10-0862-4B84-BD35-62DF8A01C78B}" srcOrd="0" destOrd="0" presId="urn:microsoft.com/office/officeart/2005/8/layout/default"/>
+    <dgm:cxn modelId="{CD2C3D1E-850E-49BD-BCED-A24435CB822B}" type="presOf" srcId="{D5CA5F5F-5C92-4948-B7FC-F29EDBC82758}" destId="{3DCA1935-0F5C-4C97-875E-C65A3C93846F}" srcOrd="0" destOrd="0" presId="urn:microsoft.com/office/officeart/2005/8/layout/default"/>
+    <dgm:cxn modelId="{536EE3F2-6B63-4D93-9CA2-4A33CB38A1CF}" type="presOf" srcId="{9BE94C18-E119-438F-A23F-A1B399EF29EF}" destId="{923E3C53-47CB-48A2-B33D-AC97BF58B75B}" srcOrd="0" destOrd="0" presId="urn:microsoft.com/office/officeart/2005/8/layout/default"/>
     <dgm:cxn modelId="{B3017771-2EAA-4B76-A8E7-4F87BD01B629}" type="presOf" srcId="{69F93ABD-078C-45EE-9FB1-0C6255621E7B}" destId="{0DBA0DFD-9776-480C-A90C-4C7512269B1A}" srcOrd="0" destOrd="0" presId="urn:microsoft.com/office/officeart/2005/8/layout/default"/>
-    <dgm:cxn modelId="{536EE3F2-6B63-4D93-9CA2-4A33CB38A1CF}" type="presOf" srcId="{9BE94C18-E119-438F-A23F-A1B399EF29EF}" destId="{923E3C53-47CB-48A2-B33D-AC97BF58B75B}" srcOrd="0" destOrd="0" presId="urn:microsoft.com/office/officeart/2005/8/layout/default"/>
-    <dgm:cxn modelId="{7578C2B3-D999-4D2D-AD67-BD6A43564EFE}" type="presOf" srcId="{8792A8BE-D5E5-46B2-B481-3A3F91B2AA49}" destId="{72451235-A77D-4815-8C44-E820678183E4}" srcOrd="0" destOrd="0" presId="urn:microsoft.com/office/officeart/2005/8/layout/default"/>
-    <dgm:cxn modelId="{9D649029-A0EE-4BF4-9D0C-4E724110C0D3}" srcId="{D5CA5F5F-5C92-4948-B7FC-F29EDBC82758}" destId="{8792A8BE-D5E5-46B2-B481-3A3F91B2AA49}" srcOrd="0" destOrd="0" parTransId="{948E21D5-DD11-4CE5-BA03-FA3DFB27FEC5}" sibTransId="{74D60593-D85D-44B6-B3F3-76D01687B6D6}"/>
-    <dgm:cxn modelId="{D0F9D721-847F-43F5-8FA4-8F67B2EA7DDB}" srcId="{D5CA5F5F-5C92-4948-B7FC-F29EDBC82758}" destId="{B93B9970-30B1-4BAC-AC64-4E23D23DBEB6}" srcOrd="3" destOrd="0" parTransId="{44B03172-AC52-4C4D-9021-20696E8E340C}" sibTransId="{D2F3BAA0-D16C-4B86-B6F3-D3510A720B69}"/>
-    <dgm:cxn modelId="{4F62B293-A6A7-487F-96CB-AAAC751D01D5}" type="presOf" srcId="{ACA12539-D8D0-4984-AA69-BD37B487EC9A}" destId="{DD892E3C-CB93-4D7F-A9DE-9AE9D886D0D5}" srcOrd="0" destOrd="0" presId="urn:microsoft.com/office/officeart/2005/8/layout/default"/>
-    <dgm:cxn modelId="{CD2C3D1E-850E-49BD-BCED-A24435CB822B}" type="presOf" srcId="{D5CA5F5F-5C92-4948-B7FC-F29EDBC82758}" destId="{3DCA1935-0F5C-4C97-875E-C65A3C93846F}" srcOrd="0" destOrd="0" presId="urn:microsoft.com/office/officeart/2005/8/layout/default"/>
-    <dgm:cxn modelId="{18F47952-4DCA-4113-9E98-CB9DC7C18CC8}" type="presOf" srcId="{A9C029E8-B819-4155-89E6-873302B0483C}" destId="{89B50C64-4E28-4844-AA2B-AA71781080EC}" srcOrd="0" destOrd="0" presId="urn:microsoft.com/office/officeart/2005/8/layout/default"/>
-    <dgm:cxn modelId="{F1BC7D55-F159-4EAA-B0C6-6CC59E048C04}" type="presOf" srcId="{B93B9970-30B1-4BAC-AC64-4E23D23DBEB6}" destId="{805D7C10-0862-4B84-BD35-62DF8A01C78B}" srcOrd="0" destOrd="0" presId="urn:microsoft.com/office/officeart/2005/8/layout/default"/>
-    <dgm:cxn modelId="{05B799CE-E5FF-4415-A38B-AE8C8D48B5B7}" srcId="{D5CA5F5F-5C92-4948-B7FC-F29EDBC82758}" destId="{85214700-E7D3-414F-8281-36E6D58B610F}" srcOrd="5" destOrd="0" parTransId="{D9B9E939-4BFB-44FB-A04C-FA2ECB245E0B}" sibTransId="{E44A2D79-BCF4-41EC-A863-4501B5453910}"/>
     <dgm:cxn modelId="{1D7100A3-5840-43D8-9A50-C54E92B749E6}" srcId="{D5CA5F5F-5C92-4948-B7FC-F29EDBC82758}" destId="{69F93ABD-078C-45EE-9FB1-0C6255621E7B}" srcOrd="1" destOrd="0" parTransId="{3C1A985E-A7B1-4A22-AD60-B5CEF2FBA2B6}" sibTransId="{EC41A648-FD97-4839-841A-54805E7CBF43}"/>
-    <dgm:cxn modelId="{F276DECE-1632-4516-B733-B050A519EFE9}" srcId="{D5CA5F5F-5C92-4948-B7FC-F29EDBC82758}" destId="{A9C029E8-B819-4155-89E6-873302B0483C}" srcOrd="4" destOrd="0" parTransId="{E9164473-B829-4B2C-A749-F54FF4440602}" sibTransId="{86F4C005-BF48-4A9F-BC5A-2D54C8E973E4}"/>
-    <dgm:cxn modelId="{3103668E-9368-4066-B054-6BA523F2EA5D}" type="presOf" srcId="{3DB3CF5C-7D90-46EB-BA59-DFCEE30BBF12}" destId="{030748EB-4590-4863-8875-1E0A5DC1A54D}" srcOrd="0" destOrd="0" presId="urn:microsoft.com/office/officeart/2005/8/layout/default"/>
     <dgm:cxn modelId="{A4A1BC73-8357-46DF-AA15-4A354EEC84CA}" type="presParOf" srcId="{3DCA1935-0F5C-4C97-875E-C65A3C93846F}" destId="{72451235-A77D-4815-8C44-E820678183E4}" srcOrd="0" destOrd="0" presId="urn:microsoft.com/office/officeart/2005/8/layout/default"/>
     <dgm:cxn modelId="{0525855F-1133-46BD-9DA2-0C2D1F257631}" type="presParOf" srcId="{3DCA1935-0F5C-4C97-875E-C65A3C93846F}" destId="{F7D0F7F5-9FD7-48F2-BC5F-54AD802A852C}" srcOrd="1" destOrd="0" presId="urn:microsoft.com/office/officeart/2005/8/layout/default"/>
     <dgm:cxn modelId="{F21A3D03-4BC0-4DE5-86C5-D4846037C0EE}" type="presParOf" srcId="{3DCA1935-0F5C-4C97-875E-C65A3C93846F}" destId="{0DBA0DFD-9776-480C-A90C-4C7512269B1A}" srcOrd="2" destOrd="0" presId="urn:microsoft.com/office/officeart/2005/8/layout/default"/>
@@ -4783,51 +4783,6 @@
   <dgm:ptLst>
     <dgm:pt modelId="{3C06DC4F-CC73-49DB-827D-ECE744FD36A8}" type="doc">
       <dgm:prSet loTypeId="urn:microsoft.com/office/officeart/2008/layout/LinedList" loCatId="list" qsTypeId="urn:microsoft.com/office/officeart/2005/8/quickstyle/simple4" qsCatId="simple" csTypeId="urn:microsoft.com/office/officeart/2005/8/colors/colorful2" csCatId="colorful" phldr="1"/>
-      <dgm:spPr/>
-      <dgm:t>
-        <a:bodyPr/>
-        <a:lstStyle/>
-        <a:p>
-          <a:endParaRPr lang="en-US"/>
-        </a:p>
-      </dgm:t>
-    </dgm:pt>
-    <dgm:pt modelId="{549617F3-1E7E-48CE-B71A-D7436C72AF8C}">
-      <dgm:prSet/>
-      <dgm:spPr/>
-      <dgm:t>
-        <a:bodyPr/>
-        <a:lstStyle/>
-        <a:p>
-          <a:r>
-            <a:rPr lang="ru-RU" dirty="0" smtClean="0"/>
-            <a:t>P</a:t>
-          </a:r>
-          <a:r>
-            <a:rPr lang="en-US" dirty="0" err="1" smtClean="0"/>
-            <a:t>ygame</a:t>
-          </a:r>
-          <a:r>
-            <a:rPr lang="en-US" dirty="0" smtClean="0"/>
-            <a:t>	</a:t>
-          </a:r>
-          <a:endParaRPr lang="en-US" dirty="0"/>
-        </a:p>
-      </dgm:t>
-    </dgm:pt>
-    <dgm:pt modelId="{D5E6B994-56DB-47AB-A4DA-23CC6CBBAB79}" type="parTrans" cxnId="{CDF913DC-D2FB-45DC-A758-0C4E6A6DDC73}">
-      <dgm:prSet/>
-      <dgm:spPr/>
-      <dgm:t>
-        <a:bodyPr/>
-        <a:lstStyle/>
-        <a:p>
-          <a:endParaRPr lang="en-US"/>
-        </a:p>
-      </dgm:t>
-    </dgm:pt>
-    <dgm:pt modelId="{2C8315D6-BDBC-42FD-A07B-BC4BA487C342}" type="sibTrans" cxnId="{CDF913DC-D2FB-45DC-A758-0C4E6A6DDC73}">
-      <dgm:prSet/>
       <dgm:spPr/>
       <dgm:t>
         <a:bodyPr/>
@@ -4959,7 +4914,7 @@
         <a:lstStyle/>
         <a:p>
           <a:r>
-            <a:rPr lang="ru-RU">
+            <a:rPr lang="ru-RU" dirty="0">
               <a:latin typeface="Century Gothic" panose="020B0502020202020204"/>
             </a:rPr>
             <a:t>GIT</a:t>
@@ -4989,6 +4944,51 @@
         </a:p>
       </dgm:t>
     </dgm:pt>
+    <dgm:pt modelId="{0D942757-9CAC-4C86-9FEE-66A31ACC73D9}">
+      <dgm:prSet/>
+      <dgm:spPr/>
+      <dgm:t>
+        <a:bodyPr/>
+        <a:lstStyle/>
+        <a:p>
+          <a:r>
+            <a:rPr lang="ru-RU" dirty="0" smtClean="0"/>
+            <a:t>P</a:t>
+          </a:r>
+          <a:r>
+            <a:rPr lang="en-US" dirty="0" err="1" smtClean="0"/>
+            <a:t>ygame</a:t>
+          </a:r>
+          <a:r>
+            <a:rPr lang="en-US" dirty="0" smtClean="0"/>
+            <a:t>	</a:t>
+          </a:r>
+          <a:endParaRPr lang="en-US" dirty="0"/>
+        </a:p>
+      </dgm:t>
+    </dgm:pt>
+    <dgm:pt modelId="{92E91821-6DD2-4DC6-9A7E-0E1D3D23E9B2}" type="parTrans" cxnId="{C9C107C9-EE59-4ECB-86CC-B61A81FF7E5A}">
+      <dgm:prSet/>
+      <dgm:spPr/>
+      <dgm:t>
+        <a:bodyPr/>
+        <a:lstStyle/>
+        <a:p>
+          <a:endParaRPr lang="ru-RU"/>
+        </a:p>
+      </dgm:t>
+    </dgm:pt>
+    <dgm:pt modelId="{E474C244-1D40-4B1D-89CC-895EEAA4E4E6}" type="sibTrans" cxnId="{C9C107C9-EE59-4ECB-86CC-B61A81FF7E5A}">
+      <dgm:prSet/>
+      <dgm:spPr/>
+      <dgm:t>
+        <a:bodyPr/>
+        <a:lstStyle/>
+        <a:p>
+          <a:endParaRPr lang="ru-RU"/>
+        </a:p>
+      </dgm:t>
+    </dgm:pt>
     <dgm:pt modelId="{2652CBBE-AD6D-4D93-A81E-3398465AD23A}" type="pres">
       <dgm:prSet presAssocID="{3C06DC4F-CC73-49DB-827D-ECE744FD36A8}" presName="vert0" presStyleCnt="0">
         <dgm:presLayoutVars>
@@ -5006,16 +5006,16 @@
         </a:p>
       </dgm:t>
     </dgm:pt>
-    <dgm:pt modelId="{3474B4A3-7B04-426A-BBFD-FD2C7A858976}" type="pres">
-      <dgm:prSet presAssocID="{549617F3-1E7E-48CE-B71A-D7436C72AF8C}" presName="thickLine" presStyleLbl="alignNode1" presStyleIdx="0" presStyleCnt="5"/>
+    <dgm:pt modelId="{7CB45C8C-13BE-44D0-9151-D25A849A8C21}" type="pres">
+      <dgm:prSet presAssocID="{0D942757-9CAC-4C86-9FEE-66A31ACC73D9}" presName="thickLine" presStyleLbl="alignNode1" presStyleIdx="0" presStyleCnt="5"/>
       <dgm:spPr/>
     </dgm:pt>
-    <dgm:pt modelId="{E2A09117-9761-45B0-8CF9-23BB8E2AE4C6}" type="pres">
-      <dgm:prSet presAssocID="{549617F3-1E7E-48CE-B71A-D7436C72AF8C}" presName="horz1" presStyleCnt="0"/>
+    <dgm:pt modelId="{C5D2D734-A244-46E5-97D4-7CF1C3FCDC1F}" type="pres">
+      <dgm:prSet presAssocID="{0D942757-9CAC-4C86-9FEE-66A31ACC73D9}" presName="horz1" presStyleCnt="0"/>
       <dgm:spPr/>
     </dgm:pt>
-    <dgm:pt modelId="{736C11BC-AA19-4217-834D-DF2B25A7FF38}" type="pres">
-      <dgm:prSet presAssocID="{549617F3-1E7E-48CE-B71A-D7436C72AF8C}" presName="tx1" presStyleLbl="revTx" presStyleIdx="0" presStyleCnt="5"/>
+    <dgm:pt modelId="{7119CF3C-FF8A-4DC5-8DB0-58C9BFA2747C}" type="pres">
+      <dgm:prSet presAssocID="{0D942757-9CAC-4C86-9FEE-66A31ACC73D9}" presName="tx1" presStyleLbl="revTx" presStyleIdx="0" presStyleCnt="5"/>
       <dgm:spPr/>
       <dgm:t>
         <a:bodyPr/>
@@ -5025,8 +5025,8 @@
         </a:p>
       </dgm:t>
     </dgm:pt>
-    <dgm:pt modelId="{BB08BD05-8E49-4120-8678-351A8EAECBE1}" type="pres">
-      <dgm:prSet presAssocID="{549617F3-1E7E-48CE-B71A-D7436C72AF8C}" presName="vert1" presStyleCnt="0"/>
+    <dgm:pt modelId="{ECC5C42E-5E93-4FDC-9BBE-77339CEB7161}" type="pres">
+      <dgm:prSet presAssocID="{0D942757-9CAC-4C86-9FEE-66A31ACC73D9}" presName="vert1" presStyleCnt="0"/>
       <dgm:spPr/>
     </dgm:pt>
     <dgm:pt modelId="{F372C4DB-A1DB-400D-BF32-C5418F3FE6EC}" type="pres">
@@ -5123,8 +5123,7 @@
     </dgm:pt>
   </dgm:ptLst>
   <dgm:cxnLst>
-    <dgm:cxn modelId="{CDF913DC-D2FB-45DC-A758-0C4E6A6DDC73}" srcId="{3C06DC4F-CC73-49DB-827D-ECE744FD36A8}" destId="{549617F3-1E7E-48CE-B71A-D7436C72AF8C}" srcOrd="0" destOrd="0" parTransId="{D5E6B994-56DB-47AB-A4DA-23CC6CBBAB79}" sibTransId="{2C8315D6-BDBC-42FD-A07B-BC4BA487C342}"/>
-    <dgm:cxn modelId="{B8581BC6-67A6-44FD-ABE4-BD5E262F642B}" type="presOf" srcId="{549617F3-1E7E-48CE-B71A-D7436C72AF8C}" destId="{736C11BC-AA19-4217-834D-DF2B25A7FF38}" srcOrd="0" destOrd="0" presId="urn:microsoft.com/office/officeart/2008/layout/LinedList"/>
+    <dgm:cxn modelId="{F3C88C60-E015-46D1-82E0-F6F4F1654E59}" type="presOf" srcId="{0D942757-9CAC-4C86-9FEE-66A31ACC73D9}" destId="{7119CF3C-FF8A-4DC5-8DB0-58C9BFA2747C}" srcOrd="0" destOrd="0" presId="urn:microsoft.com/office/officeart/2008/layout/LinedList"/>
     <dgm:cxn modelId="{2EFA961A-079B-4127-B1C1-2A272CA25EB1}" srcId="{3C06DC4F-CC73-49DB-827D-ECE744FD36A8}" destId="{A7DE532D-690A-4210-95E9-D8F12586014F}" srcOrd="4" destOrd="0" parTransId="{AE515DDE-BE39-4F02-97D9-0E0698C61A6F}" sibTransId="{4A9CB658-B5DE-486F-A0F2-6C01D8DB14E6}"/>
     <dgm:cxn modelId="{8ABC87CF-8085-4F7C-8157-8F422EB3F8B6}" type="presOf" srcId="{A403C1AD-97E5-49E0-8254-AF57A9DAEF8D}" destId="{C49A4C4A-4592-4745-8047-CFFA39086ADB}" srcOrd="0" destOrd="0" presId="urn:microsoft.com/office/officeart/2008/layout/LinedList"/>
     <dgm:cxn modelId="{F62AB114-7A38-4648-9F6A-9461A8E7E9B1}" type="presOf" srcId="{3C06DC4F-CC73-49DB-827D-ECE744FD36A8}" destId="{2652CBBE-AD6D-4D93-A81E-3398465AD23A}" srcOrd="0" destOrd="0" presId="urn:microsoft.com/office/officeart/2008/layout/LinedList"/>
@@ -5133,11 +5132,12 @@
     <dgm:cxn modelId="{E32828CF-F7C9-426B-8162-F7BD94EDD0AA}" type="presOf" srcId="{A7DE532D-690A-4210-95E9-D8F12586014F}" destId="{280245C3-5570-4C94-B777-1332672F4529}" srcOrd="0" destOrd="0" presId="urn:microsoft.com/office/officeart/2008/layout/LinedList"/>
     <dgm:cxn modelId="{C67C3820-BB2C-4286-BEE0-565653E46B6A}" type="presOf" srcId="{4F5839DE-4EE1-41AA-AC8F-11123159A607}" destId="{CD28AFA1-1D57-4A76-81E7-15F5B88892CA}" srcOrd="0" destOrd="0" presId="urn:microsoft.com/office/officeart/2008/layout/LinedList"/>
     <dgm:cxn modelId="{DA8957CB-89CC-4E5D-BA1F-8F602F221710}" srcId="{3C06DC4F-CC73-49DB-827D-ECE744FD36A8}" destId="{A403C1AD-97E5-49E0-8254-AF57A9DAEF8D}" srcOrd="1" destOrd="0" parTransId="{43596B34-FE81-4875-A179-27C346331BCE}" sibTransId="{2DF69E89-4BB7-40DB-8F42-4DD3414B12B8}"/>
+    <dgm:cxn modelId="{C9C107C9-EE59-4ECB-86CC-B61A81FF7E5A}" srcId="{3C06DC4F-CC73-49DB-827D-ECE744FD36A8}" destId="{0D942757-9CAC-4C86-9FEE-66A31ACC73D9}" srcOrd="0" destOrd="0" parTransId="{92E91821-6DD2-4DC6-9A7E-0E1D3D23E9B2}" sibTransId="{E474C244-1D40-4B1D-89CC-895EEAA4E4E6}"/>
     <dgm:cxn modelId="{DA5BEE06-6AC4-4394-80D0-8C112F3A2444}" srcId="{3C06DC4F-CC73-49DB-827D-ECE744FD36A8}" destId="{C2EC0C26-EC4C-4A8D-A85C-3BDF42F9B236}" srcOrd="2" destOrd="0" parTransId="{AD6303B4-3235-4DB1-B5CF-2B948DF9A9C4}" sibTransId="{4D31DBF5-3EB1-4695-AB04-538CA9FAD95D}"/>
-    <dgm:cxn modelId="{0451E0FC-E488-4612-874A-CD051E0585A3}" type="presParOf" srcId="{2652CBBE-AD6D-4D93-A81E-3398465AD23A}" destId="{3474B4A3-7B04-426A-BBFD-FD2C7A858976}" srcOrd="0" destOrd="0" presId="urn:microsoft.com/office/officeart/2008/layout/LinedList"/>
-    <dgm:cxn modelId="{48193AB8-AABF-4B27-BA9E-0777DA44158E}" type="presParOf" srcId="{2652CBBE-AD6D-4D93-A81E-3398465AD23A}" destId="{E2A09117-9761-45B0-8CF9-23BB8E2AE4C6}" srcOrd="1" destOrd="0" presId="urn:microsoft.com/office/officeart/2008/layout/LinedList"/>
-    <dgm:cxn modelId="{397F2AA4-290C-44D8-8E53-E1907FA1F819}" type="presParOf" srcId="{E2A09117-9761-45B0-8CF9-23BB8E2AE4C6}" destId="{736C11BC-AA19-4217-834D-DF2B25A7FF38}" srcOrd="0" destOrd="0" presId="urn:microsoft.com/office/officeart/2008/layout/LinedList"/>
-    <dgm:cxn modelId="{EA20A1BC-7A96-4A62-8231-A5CB9AE7C190}" type="presParOf" srcId="{E2A09117-9761-45B0-8CF9-23BB8E2AE4C6}" destId="{BB08BD05-8E49-4120-8678-351A8EAECBE1}" srcOrd="1" destOrd="0" presId="urn:microsoft.com/office/officeart/2008/layout/LinedList"/>
+    <dgm:cxn modelId="{61A4FDCC-6CC8-4A8E-B9B1-A69CF17DBBD2}" type="presParOf" srcId="{2652CBBE-AD6D-4D93-A81E-3398465AD23A}" destId="{7CB45C8C-13BE-44D0-9151-D25A849A8C21}" srcOrd="0" destOrd="0" presId="urn:microsoft.com/office/officeart/2008/layout/LinedList"/>
+    <dgm:cxn modelId="{9AA33965-9F1F-4734-B941-9CEF516D3247}" type="presParOf" srcId="{2652CBBE-AD6D-4D93-A81E-3398465AD23A}" destId="{C5D2D734-A244-46E5-97D4-7CF1C3FCDC1F}" srcOrd="1" destOrd="0" presId="urn:microsoft.com/office/officeart/2008/layout/LinedList"/>
+    <dgm:cxn modelId="{528B5E11-7DF9-42D4-8FA8-64CB1CFE231A}" type="presParOf" srcId="{C5D2D734-A244-46E5-97D4-7CF1C3FCDC1F}" destId="{7119CF3C-FF8A-4DC5-8DB0-58C9BFA2747C}" srcOrd="0" destOrd="0" presId="urn:microsoft.com/office/officeart/2008/layout/LinedList"/>
+    <dgm:cxn modelId="{EAEB6424-6085-4CDF-8EDD-C65EAB809F7D}" type="presParOf" srcId="{C5D2D734-A244-46E5-97D4-7CF1C3FCDC1F}" destId="{ECC5C42E-5E93-4FDC-9BBE-77339CEB7161}" srcOrd="1" destOrd="0" presId="urn:microsoft.com/office/officeart/2008/layout/LinedList"/>
     <dgm:cxn modelId="{85C24169-D80E-4A84-A3D8-87CD72D0BB64}" type="presParOf" srcId="{2652CBBE-AD6D-4D93-A81E-3398465AD23A}" destId="{F372C4DB-A1DB-400D-BF32-C5418F3FE6EC}" srcOrd="2" destOrd="0" presId="urn:microsoft.com/office/officeart/2008/layout/LinedList"/>
     <dgm:cxn modelId="{D7DACB53-C833-4FA7-A178-393115216D61}" type="presParOf" srcId="{2652CBBE-AD6D-4D93-A81E-3398465AD23A}" destId="{7EAE01BE-020F-420D-AB36-3B286423FFA0}" srcOrd="3" destOrd="0" presId="urn:microsoft.com/office/officeart/2008/layout/LinedList"/>
     <dgm:cxn modelId="{069B1781-F4E9-4601-9A2B-DA345FFED598}" type="presParOf" srcId="{7EAE01BE-020F-420D-AB36-3B286423FFA0}" destId="{C49A4C4A-4592-4745-8047-CFFA39086ADB}" srcOrd="0" destOrd="0" presId="urn:microsoft.com/office/officeart/2008/layout/LinedList"/>
@@ -5329,12 +5329,20 @@
             <a:t>Босс </a:t>
           </a:r>
           <a:r>
-            <a:rPr lang="ru-RU" dirty="0" err="1" smtClean="0"/>
-            <a:t>суперастероид</a:t>
+            <a:rPr lang="ru-RU" dirty="0" smtClean="0"/>
+            <a:t>супер</a:t>
+          </a:r>
+          <a:r>
+            <a:rPr lang="en-US" dirty="0" smtClean="0"/>
+            <a:t> </a:t>
           </a:r>
           <a:r>
             <a:rPr lang="ru-RU" dirty="0" smtClean="0"/>
-            <a:t>, который делится на 2 части</a:t>
+            <a:t>астероид, </a:t>
+          </a:r>
+          <a:r>
+            <a:rPr lang="ru-RU" dirty="0" smtClean="0"/>
+            <a:t>который делится на 2 части</a:t>
           </a:r>
           <a:endParaRPr lang="ru-RU" dirty="0"/>
         </a:p>
@@ -5452,15 +5460,15 @@
     </dgm:pt>
   </dgm:ptLst>
   <dgm:cxnLst>
+    <dgm:cxn modelId="{687F2E8C-5614-4733-8871-641569D468C6}" type="presOf" srcId="{F56840A1-5856-48CD-9549-6E10E21B5A71}" destId="{293786DA-3947-4B95-9335-789D7AD246A6}" srcOrd="0" destOrd="0" presId="urn:microsoft.com/office/officeart/2005/8/layout/default"/>
+    <dgm:cxn modelId="{8DC680BA-932A-419D-92CE-4E745E85A6DD}" srcId="{1C5594EA-1177-4E0B-ABD5-45B7162B7FEE}" destId="{CB0BA371-23BD-4F4F-A56E-5BE96DA8F91F}" srcOrd="0" destOrd="0" parTransId="{C9D7197A-3090-4483-AB1B-0FC2FEE2C8AA}" sibTransId="{8897765E-EEFB-4731-8296-F7AB0E27A659}"/>
+    <dgm:cxn modelId="{0A5E96D5-7DBB-400F-A8F5-AFFD674F258A}" type="presOf" srcId="{A766F468-4152-4A2A-A75A-570F714378C7}" destId="{532E2B83-4061-4A6B-A250-A6F9138360D1}" srcOrd="0" destOrd="0" presId="urn:microsoft.com/office/officeart/2005/8/layout/default"/>
+    <dgm:cxn modelId="{E1A79161-7A51-457D-8DCE-75868491EF71}" srcId="{1C5594EA-1177-4E0B-ABD5-45B7162B7FEE}" destId="{A766F468-4152-4A2A-A75A-570F714378C7}" srcOrd="2" destOrd="0" parTransId="{C2ED99EE-4055-42D3-9B17-3ECD3168D789}" sibTransId="{752BED05-09DA-4BDB-BA74-F84BDDEF0ABF}"/>
     <dgm:cxn modelId="{D5E3D6C5-B673-4DAF-B5B2-E9C0916875B8}" type="presOf" srcId="{1C5594EA-1177-4E0B-ABD5-45B7162B7FEE}" destId="{4298248A-3981-4EE7-84AA-74810C789A8A}" srcOrd="0" destOrd="0" presId="urn:microsoft.com/office/officeart/2005/8/layout/default"/>
-    <dgm:cxn modelId="{0A5E96D5-7DBB-400F-A8F5-AFFD674F258A}" type="presOf" srcId="{A766F468-4152-4A2A-A75A-570F714378C7}" destId="{532E2B83-4061-4A6B-A250-A6F9138360D1}" srcOrd="0" destOrd="0" presId="urn:microsoft.com/office/officeart/2005/8/layout/default"/>
     <dgm:cxn modelId="{E43C33F4-4EA5-47F9-9E1A-2883064C95E9}" type="presOf" srcId="{657CB8A7-CBE1-493C-8EF2-C76071D570CD}" destId="{82D621B6-64E5-4082-96FE-501BA9EA8877}" srcOrd="0" destOrd="0" presId="urn:microsoft.com/office/officeart/2005/8/layout/default"/>
-    <dgm:cxn modelId="{E1A79161-7A51-457D-8DCE-75868491EF71}" srcId="{1C5594EA-1177-4E0B-ABD5-45B7162B7FEE}" destId="{A766F468-4152-4A2A-A75A-570F714378C7}" srcOrd="2" destOrd="0" parTransId="{C2ED99EE-4055-42D3-9B17-3ECD3168D789}" sibTransId="{752BED05-09DA-4BDB-BA74-F84BDDEF0ABF}"/>
+    <dgm:cxn modelId="{CE4F7A48-AC8C-42F2-AE90-FAE2476629DE}" type="presOf" srcId="{CB0BA371-23BD-4F4F-A56E-5BE96DA8F91F}" destId="{61DD1908-FF8C-4C40-98F5-959BBDACF808}" srcOrd="0" destOrd="0" presId="urn:microsoft.com/office/officeart/2005/8/layout/default"/>
     <dgm:cxn modelId="{8E53BDE4-510B-468E-B35F-D898939EA87B}" srcId="{1C5594EA-1177-4E0B-ABD5-45B7162B7FEE}" destId="{657CB8A7-CBE1-493C-8EF2-C76071D570CD}" srcOrd="1" destOrd="0" parTransId="{1EAFE151-1431-4A53-B0EC-A3A6C32BE4A1}" sibTransId="{B676B7C4-12EF-4B58-87E8-6C8B8EDE2380}"/>
-    <dgm:cxn modelId="{CE4F7A48-AC8C-42F2-AE90-FAE2476629DE}" type="presOf" srcId="{CB0BA371-23BD-4F4F-A56E-5BE96DA8F91F}" destId="{61DD1908-FF8C-4C40-98F5-959BBDACF808}" srcOrd="0" destOrd="0" presId="urn:microsoft.com/office/officeart/2005/8/layout/default"/>
-    <dgm:cxn modelId="{8DC680BA-932A-419D-92CE-4E745E85A6DD}" srcId="{1C5594EA-1177-4E0B-ABD5-45B7162B7FEE}" destId="{CB0BA371-23BD-4F4F-A56E-5BE96DA8F91F}" srcOrd="0" destOrd="0" parTransId="{C9D7197A-3090-4483-AB1B-0FC2FEE2C8AA}" sibTransId="{8897765E-EEFB-4731-8296-F7AB0E27A659}"/>
     <dgm:cxn modelId="{153DE88A-CEB8-48FD-BDFE-EC94A3ABD4F4}" srcId="{1C5594EA-1177-4E0B-ABD5-45B7162B7FEE}" destId="{F56840A1-5856-48CD-9549-6E10E21B5A71}" srcOrd="3" destOrd="0" parTransId="{C5387BA4-32BA-4B65-9B23-B7E346796D6A}" sibTransId="{A4421803-BFF4-4FAA-95DE-CD3B76BA5D90}"/>
-    <dgm:cxn modelId="{687F2E8C-5614-4733-8871-641569D468C6}" type="presOf" srcId="{F56840A1-5856-48CD-9549-6E10E21B5A71}" destId="{293786DA-3947-4B95-9335-789D7AD246A6}" srcOrd="0" destOrd="0" presId="urn:microsoft.com/office/officeart/2005/8/layout/default"/>
     <dgm:cxn modelId="{519DD133-CBC4-4FBE-A9DF-C011B719143E}" type="presParOf" srcId="{4298248A-3981-4EE7-84AA-74810C789A8A}" destId="{61DD1908-FF8C-4C40-98F5-959BBDACF808}" srcOrd="0" destOrd="0" presId="urn:microsoft.com/office/officeart/2005/8/layout/default"/>
     <dgm:cxn modelId="{36176672-7C72-428E-B284-4F8FDBF85726}" type="presParOf" srcId="{4298248A-3981-4EE7-84AA-74810C789A8A}" destId="{E2C184C3-927F-4E3C-B59C-F0F571DDE2B9}" srcOrd="1" destOrd="0" presId="urn:microsoft.com/office/officeart/2005/8/layout/default"/>
     <dgm:cxn modelId="{DB10E184-EA3E-4ECF-BC68-8CF11D56AA96}" type="presParOf" srcId="{4298248A-3981-4EE7-84AA-74810C789A8A}" destId="{82D621B6-64E5-4082-96FE-501BA9EA8877}" srcOrd="2" destOrd="0" presId="urn:microsoft.com/office/officeart/2005/8/layout/default"/>
@@ -5811,17 +5819,17 @@
     </dgm:pt>
   </dgm:ptLst>
   <dgm:cxnLst>
-    <dgm:cxn modelId="{4BB2FBAD-B34E-4203-B5F8-F595EB0E0B94}" type="presOf" srcId="{606817D7-1F55-4BD1-9F1F-78E194340740}" destId="{60E46E91-9CA7-46C4-9352-1553F2C461F8}" srcOrd="0" destOrd="0" presId="urn:microsoft.com/office/officeart/2005/8/layout/process4"/>
+    <dgm:cxn modelId="{664D37BE-BBC3-428B-9DBD-84FA30EDD253}" srcId="{9A6EBB5A-0BF1-495B-A353-EE651555F6FC}" destId="{606817D7-1F55-4BD1-9F1F-78E194340740}" srcOrd="1" destOrd="0" parTransId="{70A683F8-41D9-4EFA-92C3-925D021CF0D5}" sibTransId="{A335BEE7-EA79-4599-B1BA-3547FE69E48F}"/>
+    <dgm:cxn modelId="{DFD97D89-853A-4FEA-8F8A-07358A386A82}" srcId="{9A6EBB5A-0BF1-495B-A353-EE651555F6FC}" destId="{1CEF89ED-6D65-4E1A-A78B-01A7B7D1876E}" srcOrd="4" destOrd="0" parTransId="{5BE48FA1-05C4-487E-85DD-780E6E60CC2F}" sibTransId="{76F4663E-76BD-478A-84E4-70B96567AA26}"/>
+    <dgm:cxn modelId="{A3D16DB6-3A6E-4AA1-8526-626754B495B5}" srcId="{9A6EBB5A-0BF1-495B-A353-EE651555F6FC}" destId="{31FB7E14-FBE6-412A-9255-745DC0DF3DDE}" srcOrd="3" destOrd="0" parTransId="{36EBE2EA-15FF-4253-877D-0A47062729A5}" sibTransId="{B8749F49-2131-4A18-91C5-778AB8A70474}"/>
+    <dgm:cxn modelId="{7C91E544-2F3A-4641-91C5-9A1FE0CF5A8D}" type="presOf" srcId="{31FB7E14-FBE6-412A-9255-745DC0DF3DDE}" destId="{0BF6FFF0-8940-4C5B-8833-097FE86DC2F3}" srcOrd="0" destOrd="0" presId="urn:microsoft.com/office/officeart/2005/8/layout/process4"/>
     <dgm:cxn modelId="{813C0D6B-6A2A-425E-B719-53F859EC168F}" srcId="{9A6EBB5A-0BF1-495B-A353-EE651555F6FC}" destId="{70321B72-EEB3-46D3-B92C-FA091839CE97}" srcOrd="0" destOrd="0" parTransId="{FD484D11-684C-4529-8EC8-03A03230B2DC}" sibTransId="{397B7983-B773-4A2A-BB26-8D196C706E98}"/>
+    <dgm:cxn modelId="{A71855E9-4BB0-4013-B407-D28B3A11A58D}" type="presOf" srcId="{9A6EBB5A-0BF1-495B-A353-EE651555F6FC}" destId="{3ADF3CEA-A3E5-4EF0-9E2D-E73CABD1A33B}" srcOrd="0" destOrd="0" presId="urn:microsoft.com/office/officeart/2005/8/layout/process4"/>
     <dgm:cxn modelId="{23762AB3-B4B9-4667-B62E-8199458E4828}" type="presOf" srcId="{70321B72-EEB3-46D3-B92C-FA091839CE97}" destId="{907FEE18-C8C9-40F9-9E50-39F8396275FF}" srcOrd="0" destOrd="0" presId="urn:microsoft.com/office/officeart/2005/8/layout/process4"/>
-    <dgm:cxn modelId="{A3D16DB6-3A6E-4AA1-8526-626754B495B5}" srcId="{9A6EBB5A-0BF1-495B-A353-EE651555F6FC}" destId="{31FB7E14-FBE6-412A-9255-745DC0DF3DDE}" srcOrd="3" destOrd="0" parTransId="{36EBE2EA-15FF-4253-877D-0A47062729A5}" sibTransId="{B8749F49-2131-4A18-91C5-778AB8A70474}"/>
-    <dgm:cxn modelId="{3600EE85-7E75-4082-B644-3B23D6566AFA}" srcId="{9A6EBB5A-0BF1-495B-A353-EE651555F6FC}" destId="{2AF92E77-A58F-4524-9F58-460A53652A1E}" srcOrd="2" destOrd="0" parTransId="{BEA2996E-BEDA-49B1-9D98-09C2AC598B71}" sibTransId="{9F073BED-F225-490F-AEF2-90A39111CF03}"/>
-    <dgm:cxn modelId="{7C91E544-2F3A-4641-91C5-9A1FE0CF5A8D}" type="presOf" srcId="{31FB7E14-FBE6-412A-9255-745DC0DF3DDE}" destId="{0BF6FFF0-8940-4C5B-8833-097FE86DC2F3}" srcOrd="0" destOrd="0" presId="urn:microsoft.com/office/officeart/2005/8/layout/process4"/>
-    <dgm:cxn modelId="{A71855E9-4BB0-4013-B407-D28B3A11A58D}" type="presOf" srcId="{9A6EBB5A-0BF1-495B-A353-EE651555F6FC}" destId="{3ADF3CEA-A3E5-4EF0-9E2D-E73CABD1A33B}" srcOrd="0" destOrd="0" presId="urn:microsoft.com/office/officeart/2005/8/layout/process4"/>
-    <dgm:cxn modelId="{DFD97D89-853A-4FEA-8F8A-07358A386A82}" srcId="{9A6EBB5A-0BF1-495B-A353-EE651555F6FC}" destId="{1CEF89ED-6D65-4E1A-A78B-01A7B7D1876E}" srcOrd="4" destOrd="0" parTransId="{5BE48FA1-05C4-487E-85DD-780E6E60CC2F}" sibTransId="{76F4663E-76BD-478A-84E4-70B96567AA26}"/>
     <dgm:cxn modelId="{F9F67EAE-57E5-4C4D-8B0E-EB5A3064ACB5}" type="presOf" srcId="{1CEF89ED-6D65-4E1A-A78B-01A7B7D1876E}" destId="{16AF9C30-1D3E-4AD2-982A-F7C329470A1D}" srcOrd="0" destOrd="0" presId="urn:microsoft.com/office/officeart/2005/8/layout/process4"/>
     <dgm:cxn modelId="{52719A78-F8B2-4FED-82B1-D520AFC4059C}" type="presOf" srcId="{2AF92E77-A58F-4524-9F58-460A53652A1E}" destId="{B321B965-A07E-492D-8180-92FB0A997D6B}" srcOrd="0" destOrd="0" presId="urn:microsoft.com/office/officeart/2005/8/layout/process4"/>
-    <dgm:cxn modelId="{664D37BE-BBC3-428B-9DBD-84FA30EDD253}" srcId="{9A6EBB5A-0BF1-495B-A353-EE651555F6FC}" destId="{606817D7-1F55-4BD1-9F1F-78E194340740}" srcOrd="1" destOrd="0" parTransId="{70A683F8-41D9-4EFA-92C3-925D021CF0D5}" sibTransId="{A335BEE7-EA79-4599-B1BA-3547FE69E48F}"/>
+    <dgm:cxn modelId="{4BB2FBAD-B34E-4203-B5F8-F595EB0E0B94}" type="presOf" srcId="{606817D7-1F55-4BD1-9F1F-78E194340740}" destId="{60E46E91-9CA7-46C4-9352-1553F2C461F8}" srcOrd="0" destOrd="0" presId="urn:microsoft.com/office/officeart/2005/8/layout/process4"/>
+    <dgm:cxn modelId="{3600EE85-7E75-4082-B644-3B23D6566AFA}" srcId="{9A6EBB5A-0BF1-495B-A353-EE651555F6FC}" destId="{2AF92E77-A58F-4524-9F58-460A53652A1E}" srcOrd="2" destOrd="0" parTransId="{BEA2996E-BEDA-49B1-9D98-09C2AC598B71}" sibTransId="{9F073BED-F225-490F-AEF2-90A39111CF03}"/>
     <dgm:cxn modelId="{9620208C-4373-4A39-9098-308C746B3C80}" type="presParOf" srcId="{3ADF3CEA-A3E5-4EF0-9E2D-E73CABD1A33B}" destId="{99611EF5-2BF4-4BDB-B4F0-A4E02552E473}" srcOrd="0" destOrd="0" presId="urn:microsoft.com/office/officeart/2005/8/layout/process4"/>
     <dgm:cxn modelId="{F28B51AF-D613-47C1-91FB-EDC5643149A7}" type="presParOf" srcId="{99611EF5-2BF4-4BDB-B4F0-A4E02552E473}" destId="{16AF9C30-1D3E-4AD2-982A-F7C329470A1D}" srcOrd="0" destOrd="0" presId="urn:microsoft.com/office/officeart/2005/8/layout/process4"/>
     <dgm:cxn modelId="{38C55037-1D16-4B84-8B83-3528145E35E9}" type="presParOf" srcId="{3ADF3CEA-A3E5-4EF0-9E2D-E73CABD1A33B}" destId="{BEFAC33A-EA5F-496A-92B8-6AC12C15DFB9}" srcOrd="1" destOrd="0" presId="urn:microsoft.com/office/officeart/2005/8/layout/process4"/>
@@ -6647,7 +6655,7 @@
       <dsp:cNvGrpSpPr/>
     </dsp:nvGrpSpPr>
     <dsp:grpSpPr/>
-    <dsp:sp modelId="{3474B4A3-7B04-426A-BBFD-FD2C7A858976}">
+    <dsp:sp modelId="{7CB45C8C-13BE-44D0-9151-D25A849A8C21}">
       <dsp:nvSpPr>
         <dsp:cNvPr id="0" name=""/>
         <dsp:cNvSpPr/>
@@ -6711,7 +6719,7 @@
         </a:fontRef>
       </dsp:style>
     </dsp:sp>
-    <dsp:sp modelId="{736C11BC-AA19-4217-834D-DF2B25A7FF38}">
+    <dsp:sp modelId="{7119CF3C-FF8A-4DC5-8DB0-58C9BFA2747C}">
       <dsp:nvSpPr>
         <dsp:cNvPr id="0" name=""/>
         <dsp:cNvSpPr/>
@@ -7267,7 +7275,7 @@
             </a:spcAft>
           </a:pPr>
           <a:r>
-            <a:rPr lang="ru-RU" sz="4000" kern="1200">
+            <a:rPr lang="ru-RU" sz="4000" kern="1200" dirty="0">
               <a:latin typeface="Century Gothic" panose="020B0502020202020204"/>
             </a:rPr>
             <a:t>GIT</a:t>
@@ -7468,12 +7476,20 @@
             <a:t>Босс </a:t>
           </a:r>
           <a:r>
-            <a:rPr lang="ru-RU" sz="2500" kern="1200" dirty="0" err="1" smtClean="0"/>
-            <a:t>суперастероид</a:t>
+            <a:rPr lang="ru-RU" sz="2500" kern="1200" dirty="0" smtClean="0"/>
+            <a:t>супер</a:t>
+          </a:r>
+          <a:r>
+            <a:rPr lang="en-US" sz="2500" kern="1200" dirty="0" smtClean="0"/>
+            <a:t> </a:t>
           </a:r>
           <a:r>
             <a:rPr lang="ru-RU" sz="2500" kern="1200" dirty="0" smtClean="0"/>
-            <a:t>, который делится на 2 части</a:t>
+            <a:t>астероид, </a:t>
+          </a:r>
+          <a:r>
+            <a:rPr lang="ru-RU" sz="2500" kern="1200" dirty="0" smtClean="0"/>
+            <a:t>который делится на 2 части</a:t>
           </a:r>
           <a:endParaRPr lang="ru-RU" sz="2500" kern="1200" dirty="0"/>
         </a:p>
@@ -13469,7 +13485,7 @@
           <a:effectLst/>
           <a:extLst>
             <a:ext uri="{91240B29-F687-4f45-9708-019B960494DF}">
-              <a14:hiddenLine xmlns:a14="http://schemas.microsoft.com/office/drawing/2010/main" xmlns="" w="9525">
+              <a14:hiddenLine xmlns="" xmlns:a14="http://schemas.microsoft.com/office/drawing/2010/main" w="9525">
                 <a:solidFill>
                   <a:srgbClr val="000000"/>
                 </a:solidFill>
@@ -14973,7 +14989,7 @@
           <a:ln/>
           <a:extLst>
             <a:ext uri="{91240B29-F687-4f45-9708-019B960494DF}">
-              <a14:hiddenLine xmlns:a14="http://schemas.microsoft.com/office/drawing/2010/main" xmlns="" w="9525">
+              <a14:hiddenLine xmlns="" xmlns:a14="http://schemas.microsoft.com/office/drawing/2010/main" w="9525">
                 <a:solidFill>
                   <a:srgbClr val="000000"/>
                 </a:solidFill>
@@ -15243,7 +15259,7 @@
           <a:ln/>
           <a:extLst>
             <a:ext uri="{91240B29-F687-4f45-9708-019B960494DF}">
-              <a14:hiddenLine xmlns:a14="http://schemas.microsoft.com/office/drawing/2010/main" xmlns="" w="9525">
+              <a14:hiddenLine xmlns="" xmlns:a14="http://schemas.microsoft.com/office/drawing/2010/main" w="9525">
                 <a:solidFill>
                   <a:srgbClr val="000000"/>
                 </a:solidFill>
@@ -15521,7 +15537,7 @@
           <a:ln/>
           <a:extLst>
             <a:ext uri="{91240B29-F687-4f45-9708-019B960494DF}">
-              <a14:hiddenLine xmlns:a14="http://schemas.microsoft.com/office/drawing/2010/main" xmlns="" w="9525">
+              <a14:hiddenLine xmlns="" xmlns:a14="http://schemas.microsoft.com/office/drawing/2010/main" w="9525">
                 <a:solidFill>
                   <a:srgbClr val="000000"/>
                 </a:solidFill>
@@ -16138,7 +16154,7 @@
           <a:ln/>
           <a:extLst>
             <a:ext uri="{91240B29-F687-4f45-9708-019B960494DF}">
-              <a14:hiddenLine xmlns:a14="http://schemas.microsoft.com/office/drawing/2010/main" xmlns="" w="9525">
+              <a14:hiddenLine xmlns="" xmlns:a14="http://schemas.microsoft.com/office/drawing/2010/main" w="9525">
                 <a:solidFill>
                   <a:srgbClr val="000000"/>
                 </a:solidFill>
@@ -16471,7 +16487,7 @@
           <a:ln/>
           <a:extLst>
             <a:ext uri="{91240B29-F687-4f45-9708-019B960494DF}">
-              <a14:hiddenLine xmlns:a14="http://schemas.microsoft.com/office/drawing/2010/main" xmlns="" w="9525">
+              <a14:hiddenLine xmlns="" xmlns:a14="http://schemas.microsoft.com/office/drawing/2010/main" w="9525">
                 <a:solidFill>
                   <a:srgbClr val="000000"/>
                 </a:solidFill>
@@ -16942,7 +16958,7 @@
           <a:ln/>
           <a:extLst>
             <a:ext uri="{91240B29-F687-4f45-9708-019B960494DF}">
-              <a14:hiddenLine xmlns:a14="http://schemas.microsoft.com/office/drawing/2010/main" xmlns="" w="9525">
+              <a14:hiddenLine xmlns="" xmlns:a14="http://schemas.microsoft.com/office/drawing/2010/main" w="9525">
                 <a:solidFill>
                   <a:srgbClr val="000000"/>
                 </a:solidFill>
@@ -17364,7 +17380,7 @@
           <a:ln/>
           <a:extLst>
             <a:ext uri="{91240B29-F687-4f45-9708-019B960494DF}">
-              <a14:hiddenLine xmlns:a14="http://schemas.microsoft.com/office/drawing/2010/main" xmlns="" w="9525">
+              <a14:hiddenLine xmlns="" xmlns:a14="http://schemas.microsoft.com/office/drawing/2010/main" w="9525">
                 <a:solidFill>
                   <a:srgbClr val="000000"/>
                 </a:solidFill>
@@ -18602,11 +18618,7 @@
             </a:r>
             <a:r>
               <a:rPr lang="en-US" noProof="1" smtClean="0"/>
-              <a:t>“</a:t>
-            </a:r>
-            <a:r>
-              <a:rPr lang="en-US" noProof="1" smtClean="0"/>
-              <a:t>April 12” </a:t>
+              <a:t>“April 12” </a:t>
             </a:r>
             <a:r>
               <a:rPr lang="ru-RU" noProof="1" smtClean="0"/>
@@ -18663,6 +18675,13 @@
   <p:clrMapOvr>
     <a:masterClrMapping/>
   </p:clrMapOvr>
+  <p:timing>
+    <p:tnLst>
+      <p:par>
+        <p:cTn id="1" dur="indefinite" restart="never" nodeType="tmRoot"/>
+      </p:par>
+    </p:tnLst>
+  </p:timing>
 </p:sld>
 </file>
 
@@ -18699,7 +18718,7 @@
                 <a16:creationId xmlns:a16="http://schemas.microsoft.com/office/drawing/2014/main" id="{35C44DBB-AD7C-4682-B258-6367305D207B}"/>
               </a:ext>
               <a:ext uri="{C183D7F6-B498-43B3-948B-1728B52AA6E4}">
-                <adec:decorative xmlns:adec="http://schemas.microsoft.com/office/drawing/2017/decorative" xmlns="" val="1"/>
+                <adec:decorative xmlns="" xmlns:adec="http://schemas.microsoft.com/office/drawing/2017/decorative" val="1"/>
               </a:ext>
             </a:extLst>
           </p:cNvPr>
@@ -18800,7 +18819,7 @@
                 <a16:creationId xmlns:a16="http://schemas.microsoft.com/office/drawing/2014/main" id="{A1CED323-FAF0-4E0B-8717-FC1F468A28FE}"/>
               </a:ext>
               <a:ext uri="{C183D7F6-B498-43B3-948B-1728B52AA6E4}">
-                <adec:decorative xmlns:adec="http://schemas.microsoft.com/office/drawing/2017/decorative" xmlns="" val="1"/>
+                <adec:decorative xmlns="" xmlns:adec="http://schemas.microsoft.com/office/drawing/2017/decorative" val="1"/>
               </a:ext>
             </a:extLst>
           </p:cNvPr>
@@ -18990,8 +19009,8 @@
               <a:t>Траектория и скорость </a:t>
             </a:r>
             <a:r>
-              <a:rPr lang="ru-RU" sz="1600" dirty="0" err="1" smtClean="0"/>
-              <a:t>астеродидов</a:t>
+              <a:rPr lang="ru-RU" sz="1600" dirty="0" smtClean="0"/>
+              <a:t>астероидов</a:t>
             </a:r>
             <a:endParaRPr lang="ru-RU" sz="1600" dirty="0" smtClean="0"/>
           </a:p>
@@ -19083,6 +19102,13 @@
   <p:clrMapOvr>
     <a:masterClrMapping/>
   </p:clrMapOvr>
+  <p:timing>
+    <p:tnLst>
+      <p:par>
+        <p:cTn id="1" dur="indefinite" restart="never" nodeType="tmRoot"/>
+      </p:par>
+    </p:tnLst>
+  </p:timing>
 </p:sld>
 </file>
 
@@ -19119,7 +19145,7 @@
                 <a16:creationId xmlns:a16="http://schemas.microsoft.com/office/drawing/2014/main" id="{A3322B77-FA16-4D4E-BAA6-811C61DB3E85}"/>
               </a:ext>
               <a:ext uri="{C183D7F6-B498-43B3-948B-1728B52AA6E4}">
-                <adec:decorative xmlns:adec="http://schemas.microsoft.com/office/drawing/2017/decorative" xmlns="" val="1"/>
+                <adec:decorative xmlns="" xmlns:adec="http://schemas.microsoft.com/office/drawing/2017/decorative" val="1"/>
               </a:ext>
             </a:extLst>
           </p:cNvPr>
@@ -19179,7 +19205,7 @@
                 <a16:creationId xmlns:a16="http://schemas.microsoft.com/office/drawing/2014/main" id="{CA6EF34F-3BAD-4CD8-B05E-03BA773AE864}"/>
               </a:ext>
               <a:ext uri="{C183D7F6-B498-43B3-948B-1728B52AA6E4}">
-                <adec:decorative xmlns:adec="http://schemas.microsoft.com/office/drawing/2017/decorative" xmlns="" val="1"/>
+                <adec:decorative xmlns="" xmlns:adec="http://schemas.microsoft.com/office/drawing/2017/decorative" val="1"/>
               </a:ext>
             </a:extLst>
           </p:cNvPr>
@@ -19422,6 +19448,84 @@
           </a:graphicData>
         </a:graphic>
       </p:graphicFrame>
+      <p:grpSp>
+        <p:nvGrpSpPr>
+          <p:cNvPr id="5" name="Группа 4"/>
+          <p:cNvGrpSpPr/>
+          <p:nvPr/>
+        </p:nvGrpSpPr>
+        <p:grpSpPr>
+          <a:xfrm>
+            <a:off x="-319695" y="3844410"/>
+            <a:ext cx="5034335" cy="2542533"/>
+            <a:chOff x="33710" y="3896432"/>
+            <a:chExt cx="4581525" cy="2405301"/>
+          </a:xfrm>
+        </p:grpSpPr>
+        <p:pic>
+          <p:nvPicPr>
+            <p:cNvPr id="3" name="Рисунок 2"/>
+            <p:cNvPicPr>
+              <a:picLocks noChangeAspect="1"/>
+            </p:cNvPicPr>
+            <p:nvPr/>
+          </p:nvPicPr>
+          <p:blipFill>
+            <a:blip r:embed="rId7">
+              <a:extLst>
+                <a:ext uri="{BEBA8EAE-BF5A-486C-A8C5-ECC9F3942E4B}">
+                  <a14:imgProps xmlns:a14="http://schemas.microsoft.com/office/drawing/2010/main">
+                    <a14:imgLayer r:embed="rId8">
+                      <a14:imgEffect>
+                        <a14:backgroundRemoval t="0" b="98571" l="3250" r="95750"/>
+                      </a14:imgEffect>
+                    </a14:imgLayer>
+                  </a14:imgProps>
+                </a:ext>
+              </a:extLst>
+            </a:blip>
+            <a:stretch>
+              <a:fillRect/>
+            </a:stretch>
+          </p:blipFill>
+          <p:spPr>
+            <a:xfrm>
+              <a:off x="33710" y="3896432"/>
+              <a:ext cx="4581525" cy="2405301"/>
+            </a:xfrm>
+            <a:prstGeom prst="rect">
+              <a:avLst/>
+            </a:prstGeom>
+          </p:spPr>
+        </p:pic>
+        <p:pic>
+          <p:nvPicPr>
+            <p:cNvPr id="4" name="Рисунок 3"/>
+            <p:cNvPicPr>
+              <a:picLocks noChangeAspect="1"/>
+            </p:cNvPicPr>
+            <p:nvPr/>
+          </p:nvPicPr>
+          <p:blipFill>
+            <a:blip r:embed="rId9"/>
+            <a:stretch>
+              <a:fillRect/>
+            </a:stretch>
+          </p:blipFill>
+          <p:spPr>
+            <a:xfrm>
+              <a:off x="808786" y="4095750"/>
+              <a:ext cx="3016151" cy="1908811"/>
+            </a:xfrm>
+            <a:prstGeom prst="rect">
+              <a:avLst/>
+            </a:prstGeom>
+            <a:effectLst>
+              <a:softEdge rad="12700"/>
+            </a:effectLst>
+          </p:spPr>
+        </p:pic>
+      </p:grpSp>
     </p:spTree>
     <p:extLst>
       <p:ext uri="{BB962C8B-B14F-4D97-AF65-F5344CB8AC3E}">
@@ -19432,6 +19536,13 @@
   <p:clrMapOvr>
     <a:masterClrMapping/>
   </p:clrMapOvr>
+  <p:timing>
+    <p:tnLst>
+      <p:par>
+        <p:cTn id="1" dur="indefinite" restart="never" nodeType="tmRoot"/>
+      </p:par>
+    </p:tnLst>
+  </p:timing>
 </p:sld>
 </file>
 
@@ -19468,7 +19579,7 @@
                 <a16:creationId xmlns:a16="http://schemas.microsoft.com/office/drawing/2014/main" id="{B2B82547-2424-4E7A-A98B-75206EE73028}"/>
               </a:ext>
               <a:ext uri="{C183D7F6-B498-43B3-948B-1728B52AA6E4}">
-                <adec:decorative xmlns:adec="http://schemas.microsoft.com/office/drawing/2017/decorative" xmlns="" val="1"/>
+                <adec:decorative xmlns="" xmlns:adec="http://schemas.microsoft.com/office/drawing/2017/decorative" val="1"/>
               </a:ext>
             </a:extLst>
           </p:cNvPr>
@@ -19528,7 +19639,7 @@
                 <a16:creationId xmlns:a16="http://schemas.microsoft.com/office/drawing/2014/main" id="{5109BC2F-9616-4D7D-9E98-57898009A828}"/>
               </a:ext>
               <a:ext uri="{C183D7F6-B498-43B3-948B-1728B52AA6E4}">
-                <adec:decorative xmlns:adec="http://schemas.microsoft.com/office/drawing/2017/decorative" xmlns="" val="1"/>
+                <adec:decorative xmlns="" xmlns:adec="http://schemas.microsoft.com/office/drawing/2017/decorative" val="1"/>
               </a:ext>
             </a:extLst>
           </p:cNvPr>
@@ -19792,7 +19903,7 @@
             <p:ph idx="1"/>
             <p:extLst>
               <p:ext uri="{D42A27DB-BD31-4B8C-83A1-F6EECF244321}">
-                <p14:modId xmlns:p14="http://schemas.microsoft.com/office/powerpoint/2010/main" val="1023386068"/>
+                <p14:modId xmlns:p14="http://schemas.microsoft.com/office/powerpoint/2010/main" val="1877820753"/>
               </p:ext>
             </p:extLst>
           </p:nvPr>
@@ -19807,6 +19918,45 @@
           </a:graphicData>
         </a:graphic>
       </p:graphicFrame>
+      <p:pic>
+        <p:nvPicPr>
+          <p:cNvPr id="5" name="Рисунок 4"/>
+          <p:cNvPicPr>
+            <a:picLocks noChangeAspect="1"/>
+          </p:cNvPicPr>
+          <p:nvPr/>
+        </p:nvPicPr>
+        <p:blipFill>
+          <a:blip r:embed="rId8">
+            <a:extLst>
+              <a:ext uri="{BEBA8EAE-BF5A-486C-A8C5-ECC9F3942E4B}">
+                <a14:imgProps xmlns:a14="http://schemas.microsoft.com/office/drawing/2010/main">
+                  <a14:imgLayer r:embed="rId9">
+                    <a14:imgEffect>
+                      <a14:backgroundRemoval t="10000" b="90000" l="7273" r="97455">
+                        <a14:foregroundMark x1="85273" y1="33243" x2="85273" y2="33243"/>
+                        <a14:foregroundMark x1="90727" y1="33784" x2="90727" y2="33784"/>
+                      </a14:backgroundRemoval>
+                    </a14:imgEffect>
+                  </a14:imgLayer>
+                </a14:imgProps>
+              </a:ext>
+            </a:extLst>
+          </a:blip>
+          <a:stretch>
+            <a:fillRect/>
+          </a:stretch>
+        </p:blipFill>
+        <p:spPr>
+          <a:xfrm>
+            <a:off x="74794" y="4492073"/>
+            <a:ext cx="4403382" cy="2962275"/>
+          </a:xfrm>
+          <a:prstGeom prst="rect">
+            <a:avLst/>
+          </a:prstGeom>
+        </p:spPr>
+      </p:pic>
     </p:spTree>
     <p:extLst>
       <p:ext uri="{BB962C8B-B14F-4D97-AF65-F5344CB8AC3E}">
@@ -19817,6 +19967,13 @@
   <p:clrMapOvr>
     <a:masterClrMapping/>
   </p:clrMapOvr>
+  <p:timing>
+    <p:tnLst>
+      <p:par>
+        <p:cTn id="1" dur="indefinite" restart="never" nodeType="tmRoot"/>
+      </p:par>
+    </p:tnLst>
+  </p:timing>
 </p:sld>
 </file>
 
@@ -19902,7 +20059,7 @@
             <p:ph idx="1"/>
             <p:extLst>
               <p:ext uri="{D42A27DB-BD31-4B8C-83A1-F6EECF244321}">
-                <p14:modId xmlns:p14="http://schemas.microsoft.com/office/powerpoint/2010/main" val="1735276653"/>
+                <p14:modId xmlns:p14="http://schemas.microsoft.com/office/powerpoint/2010/main" val="3012268020"/>
               </p:ext>
             </p:extLst>
           </p:nvPr>
@@ -19927,6 +20084,13 @@
   <p:clrMapOvr>
     <a:masterClrMapping/>
   </p:clrMapOvr>
+  <p:timing>
+    <p:tnLst>
+      <p:par>
+        <p:cTn id="1" dur="indefinite" restart="never" nodeType="tmRoot"/>
+      </p:par>
+    </p:tnLst>
+  </p:timing>
 </p:sld>
 </file>
 
@@ -19963,7 +20127,7 @@
                 <a16:creationId xmlns:a16="http://schemas.microsoft.com/office/drawing/2014/main" id="{35C44DBB-AD7C-4682-B258-6367305D207B}"/>
               </a:ext>
               <a:ext uri="{C183D7F6-B498-43B3-948B-1728B52AA6E4}">
-                <adec:decorative xmlns:adec="http://schemas.microsoft.com/office/drawing/2017/decorative" xmlns="" val="1"/>
+                <adec:decorative xmlns="" xmlns:adec="http://schemas.microsoft.com/office/drawing/2017/decorative" val="1"/>
               </a:ext>
             </a:extLst>
           </p:cNvPr>
@@ -20071,7 +20235,7 @@
                 <a16:creationId xmlns:a16="http://schemas.microsoft.com/office/drawing/2014/main" id="{A1CED323-FAF0-4E0B-8717-FC1F468A28FE}"/>
               </a:ext>
               <a:ext uri="{C183D7F6-B498-43B3-948B-1728B52AA6E4}">
-                <adec:decorative xmlns:adec="http://schemas.microsoft.com/office/drawing/2017/decorative" xmlns="" val="1"/>
+                <adec:decorative xmlns="" xmlns:adec="http://schemas.microsoft.com/office/drawing/2017/decorative" val="1"/>
               </a:ext>
             </a:extLst>
           </p:cNvPr>
@@ -20146,11 +20310,7 @@
             </a:pPr>
             <a:r>
               <a:rPr lang="ru-RU" sz="1600" dirty="0" smtClean="0"/>
-              <a:t>Нам</a:t>
-            </a:r>
-            <a:r>
-              <a:rPr lang="ru-RU" sz="1600" dirty="0" smtClean="0"/>
-              <a:t> </a:t>
+              <a:t>Нам </a:t>
             </a:r>
             <a:r>
               <a:rPr lang="ru-RU" sz="1600" dirty="0"/>
@@ -20209,6 +20369,13 @@
   <p:clrMapOvr>
     <a:masterClrMapping/>
   </p:clrMapOvr>
+  <p:timing>
+    <p:tnLst>
+      <p:par>
+        <p:cTn id="1" dur="indefinite" restart="never" nodeType="tmRoot"/>
+      </p:par>
+    </p:tnLst>
+  </p:timing>
 </p:sld>
 </file>
 
@@ -20245,7 +20412,7 @@
                 <a16:creationId xmlns:a16="http://schemas.microsoft.com/office/drawing/2014/main" id="{B2B82547-2424-4E7A-A98B-75206EE73028}"/>
               </a:ext>
               <a:ext uri="{C183D7F6-B498-43B3-948B-1728B52AA6E4}">
-                <adec:decorative xmlns:adec="http://schemas.microsoft.com/office/drawing/2017/decorative" xmlns="" val="1"/>
+                <adec:decorative xmlns="" xmlns:adec="http://schemas.microsoft.com/office/drawing/2017/decorative" val="1"/>
               </a:ext>
             </a:extLst>
           </p:cNvPr>
@@ -20305,7 +20472,7 @@
                 <a16:creationId xmlns:a16="http://schemas.microsoft.com/office/drawing/2014/main" id="{5109BC2F-9616-4D7D-9E98-57898009A828}"/>
               </a:ext>
               <a:ext uri="{C183D7F6-B498-43B3-948B-1728B52AA6E4}">
-                <adec:decorative xmlns:adec="http://schemas.microsoft.com/office/drawing/2017/decorative" xmlns="" val="1"/>
+                <adec:decorative xmlns="" xmlns:adec="http://schemas.microsoft.com/office/drawing/2017/decorative" val="1"/>
               </a:ext>
             </a:extLst>
           </p:cNvPr>
@@ -20533,7 +20700,7 @@
           <a:lstStyle/>
           <a:p>
             <a:r>
-              <a:rPr lang="ru-RU" sz="3400"/>
+              <a:rPr lang="ru-RU" sz="3400" dirty="0"/>
               <a:t>Перспективы развития</a:t>
             </a:r>
           </a:p>
@@ -20570,6 +20737,48 @@
           </a:graphicData>
         </a:graphic>
       </p:graphicFrame>
+      <p:pic>
+        <p:nvPicPr>
+          <p:cNvPr id="3" name="Рисунок 2"/>
+          <p:cNvPicPr>
+            <a:picLocks noChangeAspect="1"/>
+          </p:cNvPicPr>
+          <p:nvPr/>
+        </p:nvPicPr>
+        <p:blipFill>
+          <a:blip r:embed="rId8">
+            <a:extLst>
+              <a:ext uri="{BEBA8EAE-BF5A-486C-A8C5-ECC9F3942E4B}">
+                <a14:imgProps xmlns:a14="http://schemas.microsoft.com/office/drawing/2010/main">
+                  <a14:imgLayer r:embed="rId9">
+                    <a14:imgEffect>
+                      <a14:saturation sat="400000"/>
+                    </a14:imgEffect>
+                    <a14:imgEffect>
+                      <a14:brightnessContrast bright="20000" contrast="-20000"/>
+                    </a14:imgEffect>
+                  </a14:imgLayer>
+                </a14:imgProps>
+              </a:ext>
+            </a:extLst>
+          </a:blip>
+          <a:stretch>
+            <a:fillRect/>
+          </a:stretch>
+        </p:blipFill>
+        <p:spPr>
+          <a:xfrm>
+            <a:off x="703940" y="4424900"/>
+            <a:ext cx="3207277" cy="1804093"/>
+          </a:xfrm>
+          <a:prstGeom prst="rect">
+            <a:avLst/>
+          </a:prstGeom>
+          <a:effectLst>
+            <a:softEdge rad="63500"/>
+          </a:effectLst>
+        </p:spPr>
+      </p:pic>
     </p:spTree>
     <p:extLst>
       <p:ext uri="{BB962C8B-B14F-4D97-AF65-F5344CB8AC3E}">
@@ -20580,6 +20789,13 @@
   <p:clrMapOvr>
     <a:masterClrMapping/>
   </p:clrMapOvr>
+  <p:timing>
+    <p:tnLst>
+      <p:par>
+        <p:cTn id="1" dur="indefinite" restart="never" nodeType="tmRoot"/>
+      </p:par>
+    </p:tnLst>
+  </p:timing>
 </p:sld>
 </file>
 
@@ -20616,7 +20832,7 @@
                 <a16:creationId xmlns:a16="http://schemas.microsoft.com/office/drawing/2014/main" id="{8775F366-526C-4C42-8931-696FFE8AA517}"/>
               </a:ext>
               <a:ext uri="{C183D7F6-B498-43B3-948B-1728B52AA6E4}">
-                <adec:decorative xmlns:adec="http://schemas.microsoft.com/office/drawing/2017/decorative" xmlns="" val="1"/>
+                <adec:decorative xmlns="" xmlns:adec="http://schemas.microsoft.com/office/drawing/2017/decorative" val="1"/>
               </a:ext>
             </a:extLst>
           </p:cNvPr>
@@ -20703,7 +20919,7 @@
           <a:effectLst/>
           <a:extLst>
             <a:ext uri="{91240B29-F687-4f45-9708-019B960494DF}">
-              <a14:hiddenLine xmlns:a14="http://schemas.microsoft.com/office/drawing/2010/main" xmlns:a16="http://schemas.microsoft.com/office/drawing/2014/main" xmlns="" w="9525">
+              <a14:hiddenLine xmlns="" xmlns:a16="http://schemas.microsoft.com/office/drawing/2014/main" xmlns:a14="http://schemas.microsoft.com/office/drawing/2010/main" w="9525">
                 <a:solidFill>
                   <a:srgbClr val="000000"/>
                 </a:solidFill>
@@ -20737,7 +20953,7 @@
                 <a16:creationId xmlns:a16="http://schemas.microsoft.com/office/drawing/2014/main" id="{2FE8DED1-24FF-4A79-873B-ECE3ABE73035}"/>
               </a:ext>
               <a:ext uri="{C183D7F6-B498-43B3-948B-1728B52AA6E4}">
-                <adec:decorative xmlns:adec="http://schemas.microsoft.com/office/drawing/2017/decorative" xmlns="" val="1"/>
+                <adec:decorative xmlns="" xmlns:adec="http://schemas.microsoft.com/office/drawing/2017/decorative" val="1"/>
               </a:ext>
             </a:extLst>
           </p:cNvPr>
@@ -20797,7 +21013,7 @@
                 <a16:creationId xmlns:a16="http://schemas.microsoft.com/office/drawing/2014/main" id="{0AA6A048-501A-4387-906B-B8A8543E7B11}"/>
               </a:ext>
               <a:ext uri="{C183D7F6-B498-43B3-948B-1728B52AA6E4}">
-                <adec:decorative xmlns:adec="http://schemas.microsoft.com/office/drawing/2017/decorative" xmlns="" val="1"/>
+                <adec:decorative xmlns="" xmlns:adec="http://schemas.microsoft.com/office/drawing/2017/decorative" val="1"/>
               </a:ext>
             </a:extLst>
           </p:cNvPr>
@@ -21085,6 +21301,13 @@
   <p:clrMapOvr>
     <a:masterClrMapping/>
   </p:clrMapOvr>
+  <p:timing>
+    <p:tnLst>
+      <p:par>
+        <p:cTn id="1" dur="indefinite" restart="never" nodeType="tmRoot"/>
+      </p:par>
+    </p:tnLst>
+  </p:timing>
 </p:sld>
 </file>
 
